--- a/lectures/lecture-19/Lecture-Live A00/Lecture 19 - Lecture.pptx
+++ b/lectures/lecture-19/Lecture-Live A00/Lecture 19 - Lecture.pptx
@@ -141,6 +141,130 @@
     </p:ext>
   </p:extLst>
 </p:presentation>
+</file>
+
+<file path=ppt/ink/ink1.xml><?xml version="1.0" encoding="utf-8"?>
+<inkml:ink xmlns:inkml="http://www.w3.org/2003/InkML">
+  <inkml:definitions>
+    <inkml:context xml:id="ctx0">
+      <inkml:inkSource xml:id="inkSrc0">
+        <inkml:traceFormat>
+          <inkml:channel name="X" type="integer" min="-2.14748E9" max="2.14748E9" units="cm"/>
+          <inkml:channel name="Y" type="integer" min="-2.14748E9" max="2.14748E9" units="cm"/>
+          <inkml:channel name="F" type="integer" max="32767" units="dev"/>
+          <inkml:channel name="OA" type="integer" max="360" units="deg"/>
+          <inkml:channel name="OE" type="integer" max="90" units="deg"/>
+        </inkml:traceFormat>
+        <inkml:channelProperties>
+          <inkml:channelProperty channel="X" name="resolution" value="1000" units="1/cm"/>
+          <inkml:channelProperty channel="Y" name="resolution" value="1000" units="1/cm"/>
+          <inkml:channelProperty channel="F" name="resolution" value="0" units="1/dev"/>
+          <inkml:channelProperty channel="OA" name="resolution" value="1000" units="1/deg"/>
+          <inkml:channelProperty channel="OE" name="resolution" value="1000" units="1/deg"/>
+        </inkml:channelProperties>
+      </inkml:inkSource>
+      <inkml:timestamp xml:id="ts0" timeString="2021-05-10T15:00:47.806"/>
+    </inkml:context>
+    <inkml:brush xml:id="br0">
+      <inkml:brushProperty name="width" value="0.05" units="cm"/>
+      <inkml:brushProperty name="height" value="0.05" units="cm"/>
+    </inkml:brush>
+  </inkml:definitions>
+  <inkml:trace contextRef="#ctx0" brushRef="#br0">0 40 11952 0 0,'0'0'4185'0'0,"16"-5"-23"0"0,-12 3-3827 0 0,0 0-1 0 0,1 1 0 0 0,-1 0 0 0 0,1 0 1 0 0,-1 0-1 0 0,1 0 0 0 0,-1 1 0 0 0,7-1 1 0 0,0 1 306 0 0,1 0 1 0 0,13 3 0 0 0,11 1-88 0 0,0-1 1 0 0,1-2 0 0 0,-1-2 0 0 0,52-7 0 0 0,65-9-118 0 0,-83 9-186 0 0,-39 6-59 0 0,-30 2 104 0 0,-1 1-281 0 0,0 0 0 0 0,-1 0 0 0 0,1 0-1 0 0,0 0 1 0 0,-1 0 0 0 0,1 0 0 0 0,-1 0 0 0 0,1 0-1 0 0,-1 0 1 0 0,1 0 0 0 0,-1 0 0 0 0,0 0 0 0 0,1 0-1 0 0,-1-1 1 0 0,0 1 0 0 0,0 0 0 0 0,0-1 0 0 0,1 1-1 0 0,-1 0 1 0 0,0-1 0 0 0,0 1 0 0 0,0-1 0 0 0,0 1-1 0 0,0-1 1 0 0,0 0 0 0 0,0 1 0 0 0,-1-1 0 0 0,-4 2 1 0 0,1-1 0 0 0,0 0 1 0 0,-10 1-1 0 0,-52 0-16 0 0,-71-6 0 0 0,-87-15 0 0 0,171 15-16 0 0,73 13-60 0 0,-12-5 72 0 0,0 0 4 0 0,0-1 0 0 0,0-1 0 0 0,0 1 0 0 0,1-1 1 0 0,-1-1-1 0 0,1 1 0 0 0,7 0 0 0 0,58 0 79 0 0,-30-2 10 0 0,104 7 193 0 0,-134-7-321 0 0,103-3 150 0 0,-25 2 507 0 0,-51 2-110 0 0,-37-1-455 0 0,0 0-1 0 0,0 0 0 0 0,0 0 1 0 0,0 1-1 0 0,0-1 0 0 0,0 1 1 0 0,0 0-1 0 0,3 1 0 0 0,7 3-48 0 0,-12-5 55 0 0,-1-1 6 0 0,-1 0-62 0 0,1-1 0 0 0,-1 1 1 0 0,0-1-1 0 0,0 1 0 0 0,0-1 0 0 0,0 1 1 0 0,0 0-1 0 0,0 0 0 0 0,0-1 0 0 0,0 1 0 0 0,-3-2 1 0 0,4 3-4 0 0,-1-1-144 0 0,-10 4-7589 0 0</inkml:trace>
+</inkml:ink>
+</file>
+
+<file path=ppt/ink/ink2.xml><?xml version="1.0" encoding="utf-8"?>
+<inkml:ink xmlns:inkml="http://www.w3.org/2003/InkML">
+  <inkml:definitions>
+    <inkml:context xml:id="ctx0">
+      <inkml:inkSource xml:id="inkSrc0">
+        <inkml:traceFormat>
+          <inkml:channel name="X" type="integer" min="-2.14748E9" max="2.14748E9" units="cm"/>
+          <inkml:channel name="Y" type="integer" min="-2.14748E9" max="2.14748E9" units="cm"/>
+          <inkml:channel name="F" type="integer" max="32767" units="dev"/>
+          <inkml:channel name="OA" type="integer" max="360" units="deg"/>
+          <inkml:channel name="OE" type="integer" max="90" units="deg"/>
+        </inkml:traceFormat>
+        <inkml:channelProperties>
+          <inkml:channelProperty channel="X" name="resolution" value="1000" units="1/cm"/>
+          <inkml:channelProperty channel="Y" name="resolution" value="1000" units="1/cm"/>
+          <inkml:channelProperty channel="F" name="resolution" value="0" units="1/dev"/>
+          <inkml:channelProperty channel="OA" name="resolution" value="1000" units="1/deg"/>
+          <inkml:channelProperty channel="OE" name="resolution" value="1000" units="1/deg"/>
+        </inkml:channelProperties>
+      </inkml:inkSource>
+      <inkml:timestamp xml:id="ts0" timeString="2021-05-10T15:00:52.498"/>
+    </inkml:context>
+    <inkml:brush xml:id="br0">
+      <inkml:brushProperty name="width" value="0.05" units="cm"/>
+      <inkml:brushProperty name="height" value="0.05" units="cm"/>
+    </inkml:brush>
+  </inkml:definitions>
+  <inkml:trace contextRef="#ctx0" brushRef="#br0">55 7 4144 0 0,'0'0'191'0'0,"-8"11"26"0"0,-3-4 1968 0 0,-1-4 4886 0 0,10-3-6571 0 0,1 0 0 0 0,-1 0 0 0 0,1 0 0 0 0,0 0 0 0 0,-1 1-1 0 0,1-1 1 0 0,0 0 0 0 0,-1 1 0 0 0,-1 0 0 0 0,-5 0 5293 0 0,14 3-5602 0 0,-1-2-127 0 0,-1-1 1 0 0,1 1-1 0 0,-1-1 0 0 0,1 0 0 0 0,-1 0 0 0 0,1-1 1 0 0,9 1-1 0 0,9 1 110 0 0,4-3-74 0 0,-6-1-24 0 0,21 2 185 0 0,77 3-90 0 0,-95-2-90 0 0,0-1 0 0 0,37-4 1 0 0,9 0 170 0 0,-37 3-143 0 0,25 2 38 0 0,-38-1 58 0 0,30-2-1 0 0,13 1 126 0 0,-39 1-496 0 0,36-5 0 0 0,-12 1 242 0 0,149-9 129 0 0,-185 12-190 0 0,32-3 77 0 0,78 3 1 0 0,-67 3-49 0 0,78-7-1 0 0,-85 1-8 0 0,1 2 0 0 0,65 7 0 0 0,-74 0-3 0 0,44 12 0 0 0,-54-11-8 0 0,0-1 1 0 0,44 1-1 0 0,4 0 20 0 0,71 9 31 0 0,39-8-366 0 0,-16-2 546 0 0,-122 0 191 0 0,85-5 0 0 0,-53-3-134 0 0,0 4-1 0 0,84 11 1 0 0,-115-6 232 0 0,1-3 1 0 0,68-5-1 0 0,48-26-638 0 0,-151 24 96 0 0,-13 4 14 0 0,13-8 66 0 0,-14 6-67 0 0,4-1 7 0 0,3-4 28 0 0,-5 3 28 0 0,-4 2-36 0 0,-1 2-221 0 0,0-1 0 0 0,0 1 0 0 0,0-1-1 0 0,0 1 1 0 0,0 0 0 0 0,1-1-1 0 0,-1 1 1 0 0,0-1 0 0 0,0 1 0 0 0,1-1-1 0 0,-1 1 1 0 0,0 0 0 0 0,1-1-1 0 0,-1 1 1 0 0,0 0 0 0 0,1-1 0 0 0,-1 1-1 0 0,1 0 1 0 0,0-1 0 0 0,3 5-3439 0 0,-1 3 1616 0 0</inkml:trace>
+</inkml:ink>
+</file>
+
+<file path=ppt/ink/ink3.xml><?xml version="1.0" encoding="utf-8"?>
+<inkml:ink xmlns:inkml="http://www.w3.org/2003/InkML">
+  <inkml:definitions>
+    <inkml:context xml:id="ctx0">
+      <inkml:inkSource xml:id="inkSrc0">
+        <inkml:traceFormat>
+          <inkml:channel name="X" type="integer" min="-2.14748E9" max="2.14748E9" units="cm"/>
+          <inkml:channel name="Y" type="integer" min="-2.14748E9" max="2.14748E9" units="cm"/>
+          <inkml:channel name="F" type="integer" max="32767" units="dev"/>
+          <inkml:channel name="OA" type="integer" max="360" units="deg"/>
+          <inkml:channel name="OE" type="integer" max="90" units="deg"/>
+        </inkml:traceFormat>
+        <inkml:channelProperties>
+          <inkml:channelProperty channel="X" name="resolution" value="1000" units="1/cm"/>
+          <inkml:channelProperty channel="Y" name="resolution" value="1000" units="1/cm"/>
+          <inkml:channelProperty channel="F" name="resolution" value="0" units="1/dev"/>
+          <inkml:channelProperty channel="OA" name="resolution" value="1000" units="1/deg"/>
+          <inkml:channelProperty channel="OE" name="resolution" value="1000" units="1/deg"/>
+        </inkml:channelProperties>
+      </inkml:inkSource>
+      <inkml:timestamp xml:id="ts0" timeString="2021-05-10T15:00:57.101"/>
+    </inkml:context>
+    <inkml:brush xml:id="br0">
+      <inkml:brushProperty name="width" value="0.05" units="cm"/>
+      <inkml:brushProperty name="height" value="0.05" units="cm"/>
+    </inkml:brush>
+  </inkml:definitions>
+  <inkml:trace contextRef="#ctx0" brushRef="#br0">34 154 3224 0 0,'0'-5'45'0'0,"0"4"-26"0"0,0 0-1 0 0,0 0 0 0 0,0 0 0 0 0,0 0 1 0 0,0 0-1 0 0,0 0 0 0 0,-1 0 0 0 0,1 0 1 0 0,0 0-1 0 0,-1 0 0 0 0,1 0 0 0 0,-1 0 1 0 0,-4-1 246 0 0,-21 4 20508 0 0,28 1-21655 0 0,0-1 1003 0 0,0-1 0 0 0,0 1 1 0 0,0-1-1 0 0,0 0 0 0 0,0 0 0 0 0,0 0 0 0 0,0 0 0 0 0,1 0 0 0 0,-1 0 0 0 0,0 0 0 0 0,1-1 0 0 0,-1 1 1 0 0,0-1-1 0 0,4 1 0 0 0,36-3 194 0 0,-17 1-55 0 0,-20 1-212 0 0,0 0 0 0 0,1-1 0 0 0,-1 1 0 0 0,0-1 0 0 0,0 0 0 0 0,0 0 0 0 0,0-1 0 0 0,0 1 0 0 0,0-1 0 0 0,6-4 0 0 0,-5 4-23 0 0,-1 0 0 0 0,1 1-1 0 0,0-1 1 0 0,0 1 0 0 0,0 0 0 0 0,0 0-1 0 0,0 1 1 0 0,7 0 0 0 0,3-1 3 0 0,30-3 69 0 0,-18 1-22 0 0,0 2 0 0 0,45 2-1 0 0,-16 1 17 0 0,-39-3-60 0 0,1 2 0 0 0,19 2 0 0 0,-22-1 8 0 0,23 0-1 0 0,-4-1 31 0 0,75 1 41 0 0,-68-2-22 0 0,62 6-1 0 0,-50-1-19 0 0,0-3 1 0 0,75-5 0 0 0,-10-1-6 0 0,67-3 140 0 0,-62-2-668 0 0,-112 7 538 0 0,99-8 652 0 0,-97 9-724 0 0,232-20 126 0 0,-76 9-56 0 0,-29 4-3 0 0,-108 3-25 0 0,-4 1 9 0 0,0 2 0 0 0,38 0 1 0 0,9 2 19 0 0,-11 0-27 0 0,81-4 19 0 0,-2 0 0 0 0,-84 4-11 0 0,18 1 38 0 0,-61-1-38 0 0,0 0-1 0 0,0-1 0 0 0,19-3 1 0 0,7-1 57 0 0,-1 3 50 0 0,51 5 0 0 0,-53 3-11 0 0,-30-4-77 0 0,1-1 0 0 0,16 2 0 0 0,-27-3-28 0 0,1 0 0 0 0,0 0 0 0 0,-1 0 0 0 0,1 0 0 0 0,0 0-1 0 0,-1 0 1 0 0,1 0 0 0 0,0 0 0 0 0,-1 0 0 0 0,1-1 0 0 0,0 1-1 0 0,-1 0 1 0 0,1 0 0 0 0,0-1 0 0 0,-1 1 0 0 0,2-1-1 0 0,-1-12 636 0 0,-1 5-991 0 0,0 7 1 0 0,0 1 0 0 0,0-1-1 0 0,0 0 1 0 0,0 0 0 0 0,0 1-1 0 0,0-1 1 0 0,0 0 0 0 0,0 0-1 0 0,-1 0 1 0 0,1 1 0 0 0,0-1-1 0 0,-1 0 1 0 0,1 1-1 0 0,0-1 1 0 0,-1 0 0 0 0,1 1-1 0 0,-1-1 1 0 0,1 0 0 0 0,-1 1-1 0 0,1-1 1 0 0,-1 1 0 0 0,0-1-1 0 0,1 1 1 0 0,-1-1 0 0 0,0 1-1 0 0,1 0 1 0 0,-1-1 0 0 0,-1 1-1 0 0,-7-4-777 0 0,-3 2-1214 0 0</inkml:trace>
+</inkml:ink>
+</file>
+
+<file path=ppt/ink/ink4.xml><?xml version="1.0" encoding="utf-8"?>
+<inkml:ink xmlns:inkml="http://www.w3.org/2003/InkML">
+  <inkml:definitions>
+    <inkml:context xml:id="ctx0">
+      <inkml:inkSource xml:id="inkSrc0">
+        <inkml:traceFormat>
+          <inkml:channel name="X" type="integer" min="-2.14748E9" max="2.14748E9" units="cm"/>
+          <inkml:channel name="Y" type="integer" min="-2.14748E9" max="2.14748E9" units="cm"/>
+          <inkml:channel name="F" type="integer" max="32767" units="dev"/>
+          <inkml:channel name="OA" type="integer" max="360" units="deg"/>
+          <inkml:channel name="OE" type="integer" max="90" units="deg"/>
+        </inkml:traceFormat>
+        <inkml:channelProperties>
+          <inkml:channelProperty channel="X" name="resolution" value="1000" units="1/cm"/>
+          <inkml:channelProperty channel="Y" name="resolution" value="1000" units="1/cm"/>
+          <inkml:channelProperty channel="F" name="resolution" value="0" units="1/dev"/>
+          <inkml:channelProperty channel="OA" name="resolution" value="1000" units="1/deg"/>
+          <inkml:channelProperty channel="OE" name="resolution" value="1000" units="1/deg"/>
+        </inkml:channelProperties>
+      </inkml:inkSource>
+      <inkml:timestamp xml:id="ts0" timeString="2021-05-10T15:01:04.562"/>
+    </inkml:context>
+    <inkml:brush xml:id="br0">
+      <inkml:brushProperty name="width" value="0.05" units="cm"/>
+      <inkml:brushProperty name="height" value="0.05" units="cm"/>
+    </inkml:brush>
+  </inkml:definitions>
+  <inkml:trace contextRef="#ctx0" brushRef="#br0">88 14 2304 0 0,'-1'0'167'0'0,"-3"0"122"0"0,-2 0 1235 0 0,-1-1-1 0 0,1 0 1 0 0,0 0 0 0 0,-11-4-1 0 0,12 3-818 0 0,0 1 0 0 0,-1-1 1 0 0,1 1-1 0 0,-15 2 7432 0 0,27 1-6969 0 0,12 2-267 0 0,19-6 657 0 0,-23 1-1185 0 0,-1 1 0 0 0,0 0 0 0 0,21 3 0 0 0,126 12 930 0 0,-85-11-966 0 0,498 34 1391 0 0,-457-41-1345 0 0,-28-1-95 0 0,211 16 885 0 0,-261-9-1142 0 0,-23-2-33 0 0,25 4 1 0 0,-26-1 1 0 0,0-2 0 0 0,0 0 0 0 0,0 0 0 0 0,1-2 0 0 0,18-1 0 0 0,-1-4 552 0 0,-31 4-399 0 0,0-1-122 0 0,3 2-42 0 0,-5 0-172 0 0,1 0 1 0 0,-1 0-1 0 0,1 0 0 0 0,-1-1 0 0 0,1 1 0 0 0,-1 0 0 0 0,1 0 0 0 0,-1 0 0 0 0,1 0 1 0 0,-1 0-1 0 0,1-1 0 0 0,-1 1 0 0 0,0 0 0 0 0,1-1 0 0 0,-1 1 0 0 0,1 0 0 0 0,-1-1 0 0 0,0 1 1 0 0,1 0-1 0 0,-1-1 0 0 0,1 0 0 0 0,-1 1 76 0 0,0 0-1 0 0,0 0 1 0 0,0 0 0 0 0,1-1-1 0 0,-1 1 1 0 0,0 0 0 0 0,0 0-1 0 0,0 0 1 0 0,1 0 0 0 0,-1-1-1 0 0,0 1 1 0 0,0 0 0 0 0,1 0 0 0 0,-1 0-1 0 0,0 0 1 0 0,0 0 0 0 0,1 0-1 0 0,-1 0 1 0 0,0 0 0 0 0,0 0-1 0 0,1 0 1 0 0,-1 0 0 0 0,0 0-1 0 0,0 0 1 0 0,1 0 0 0 0,-1 0-1 0 0,0 0 1 0 0,0 0 0 0 0,1 0 0 0 0,-1 0-1 0 0,0 0 1 0 0,0 0 0 0 0,1 0-1 0 0,-1 0 1 0 0,0 0 0 0 0,0 1-1 0 0,1-1 1 0 0,-1 0 0 0 0,0 0-1 0 0,0 0 1 0 0,0 0 0 0 0,1 1-1 0 0,-1-1 1 0 0,0 0 0 0 0,0 0 0 0 0,0 0-1 0 0,0 1 1 0 0,0-1 0 0 0,1 1-1 0 0,4 3-2284 0 0</inkml:trace>
+</inkml:ink>
 </file>
 
 <file path=ppt/notesMasters/notesMaster1.xml><?xml version="1.0" encoding="utf-8"?>
@@ -835,7 +959,7 @@
           <a:p>
             <a:fld id="{3A2BF66F-FEB0-48C1-A8B9-A73F54BB1A08}" type="datetimeFigureOut">
               <a:rPr lang="en-US" smtClean="0"/>
-              <a:t>5/9/2021</a:t>
+              <a:t>5/10/2021</a:t>
             </a:fld>
             <a:endParaRPr lang="en-US" dirty="0"/>
           </a:p>
@@ -1043,7 +1167,7 @@
           <a:p>
             <a:fld id="{3A2BF66F-FEB0-48C1-A8B9-A73F54BB1A08}" type="datetimeFigureOut">
               <a:rPr lang="en-US" smtClean="0"/>
-              <a:t>5/9/2021</a:t>
+              <a:t>5/10/2021</a:t>
             </a:fld>
             <a:endParaRPr lang="en-US" dirty="0"/>
           </a:p>
@@ -1261,7 +1385,7 @@
           <a:p>
             <a:fld id="{3A2BF66F-FEB0-48C1-A8B9-A73F54BB1A08}" type="datetimeFigureOut">
               <a:rPr lang="en-US" smtClean="0"/>
-              <a:t>5/9/2021</a:t>
+              <a:t>5/10/2021</a:t>
             </a:fld>
             <a:endParaRPr lang="en-US" dirty="0"/>
           </a:p>
@@ -1469,7 +1593,7 @@
           <a:p>
             <a:fld id="{3A2BF66F-FEB0-48C1-A8B9-A73F54BB1A08}" type="datetimeFigureOut">
               <a:rPr lang="en-US" smtClean="0"/>
-              <a:t>5/9/2021</a:t>
+              <a:t>5/10/2021</a:t>
             </a:fld>
             <a:endParaRPr lang="en-US" dirty="0"/>
           </a:p>
@@ -1754,7 +1878,7 @@
           <a:p>
             <a:fld id="{3A2BF66F-FEB0-48C1-A8B9-A73F54BB1A08}" type="datetimeFigureOut">
               <a:rPr lang="en-US" smtClean="0"/>
-              <a:t>5/9/2021</a:t>
+              <a:t>5/10/2021</a:t>
             </a:fld>
             <a:endParaRPr lang="en-US" dirty="0"/>
           </a:p>
@@ -2029,7 +2153,7 @@
           <a:p>
             <a:fld id="{3A2BF66F-FEB0-48C1-A8B9-A73F54BB1A08}" type="datetimeFigureOut">
               <a:rPr lang="en-US" smtClean="0"/>
-              <a:t>5/9/2021</a:t>
+              <a:t>5/10/2021</a:t>
             </a:fld>
             <a:endParaRPr lang="en-US" dirty="0"/>
           </a:p>
@@ -2451,7 +2575,7 @@
           <a:p>
             <a:fld id="{3A2BF66F-FEB0-48C1-A8B9-A73F54BB1A08}" type="datetimeFigureOut">
               <a:rPr lang="en-US" smtClean="0"/>
-              <a:t>5/9/2021</a:t>
+              <a:t>5/10/2021</a:t>
             </a:fld>
             <a:endParaRPr lang="en-US" dirty="0"/>
           </a:p>
@@ -2602,7 +2726,7 @@
           <a:p>
             <a:fld id="{3A2BF66F-FEB0-48C1-A8B9-A73F54BB1A08}" type="datetimeFigureOut">
               <a:rPr lang="en-US" smtClean="0"/>
-              <a:t>5/9/2021</a:t>
+              <a:t>5/10/2021</a:t>
             </a:fld>
             <a:endParaRPr lang="en-US" dirty="0"/>
           </a:p>
@@ -2725,7 +2849,7 @@
           <a:p>
             <a:fld id="{3A2BF66F-FEB0-48C1-A8B9-A73F54BB1A08}" type="datetimeFigureOut">
               <a:rPr lang="en-US" smtClean="0"/>
-              <a:t>5/9/2021</a:t>
+              <a:t>5/10/2021</a:t>
             </a:fld>
             <a:endParaRPr lang="en-US" dirty="0"/>
           </a:p>
@@ -3045,7 +3169,7 @@
           <a:p>
             <a:fld id="{3A2BF66F-FEB0-48C1-A8B9-A73F54BB1A08}" type="datetimeFigureOut">
               <a:rPr lang="en-US" smtClean="0"/>
-              <a:t>5/9/2021</a:t>
+              <a:t>5/10/2021</a:t>
             </a:fld>
             <a:endParaRPr lang="en-US" dirty="0"/>
           </a:p>
@@ -3343,7 +3467,7 @@
           <a:p>
             <a:fld id="{3A2BF66F-FEB0-48C1-A8B9-A73F54BB1A08}" type="datetimeFigureOut">
               <a:rPr lang="en-US" smtClean="0"/>
-              <a:t>5/9/2021</a:t>
+              <a:t>5/10/2021</a:t>
             </a:fld>
             <a:endParaRPr lang="en-US" dirty="0"/>
           </a:p>
@@ -3594,7 +3718,7 @@
           <a:p>
             <a:fld id="{3A2BF66F-FEB0-48C1-A8B9-A73F54BB1A08}" type="datetimeFigureOut">
               <a:rPr lang="en-US" smtClean="0"/>
-              <a:t>5/9/2021</a:t>
+              <a:t>5/10/2021</a:t>
             </a:fld>
             <a:endParaRPr lang="en-US" dirty="0"/>
           </a:p>
@@ -4281,6 +4405,210 @@
           </a:p>
         </p:txBody>
       </p:sp>
+      <mc:AlternateContent xmlns:mc="http://schemas.openxmlformats.org/markup-compatibility/2006">
+        <mc:Choice xmlns:p14="http://schemas.microsoft.com/office/powerpoint/2010/main" Requires="p14">
+          <p:contentPart p14:bwMode="auto" r:id="rId2">
+            <p14:nvContentPartPr>
+              <p14:cNvPr id="4" name="Ink 3">
+                <a:extLst>
+                  <a:ext uri="{FF2B5EF4-FFF2-40B4-BE49-F238E27FC236}">
+                    <a16:creationId xmlns:a16="http://schemas.microsoft.com/office/drawing/2014/main" id="{5AD27247-A776-44C0-B37C-6EC8C7DBE15E}"/>
+                  </a:ext>
+                </a:extLst>
+              </p14:cNvPr>
+              <p14:cNvContentPartPr/>
+              <p14:nvPr/>
+            </p14:nvContentPartPr>
+            <p14:xfrm>
+              <a:off x="1394929" y="1715299"/>
+              <a:ext cx="259920" cy="18360"/>
+            </p14:xfrm>
+          </p:contentPart>
+        </mc:Choice>
+        <mc:Fallback>
+          <p:pic>
+            <p:nvPicPr>
+              <p:cNvPr id="4" name="Ink 3">
+                <a:extLst>
+                  <a:ext uri="{FF2B5EF4-FFF2-40B4-BE49-F238E27FC236}">
+                    <a16:creationId xmlns:a16="http://schemas.microsoft.com/office/drawing/2014/main" id="{5AD27247-A776-44C0-B37C-6EC8C7DBE15E}"/>
+                  </a:ext>
+                </a:extLst>
+              </p:cNvPr>
+              <p:cNvPicPr/>
+              <p:nvPr/>
+            </p:nvPicPr>
+            <p:blipFill>
+              <a:blip r:embed="rId3"/>
+              <a:stretch>
+                <a:fillRect/>
+              </a:stretch>
+            </p:blipFill>
+            <p:spPr>
+              <a:xfrm>
+                <a:off x="1385929" y="1706299"/>
+                <a:ext cx="277560" cy="36000"/>
+              </a:xfrm>
+              <a:prstGeom prst="rect">
+                <a:avLst/>
+              </a:prstGeom>
+            </p:spPr>
+          </p:pic>
+        </mc:Fallback>
+      </mc:AlternateContent>
+      <mc:AlternateContent xmlns:mc="http://schemas.openxmlformats.org/markup-compatibility/2006">
+        <mc:Choice xmlns:p14="http://schemas.microsoft.com/office/powerpoint/2010/main" Requires="p14">
+          <p:contentPart p14:bwMode="auto" r:id="rId4">
+            <p14:nvContentPartPr>
+              <p14:cNvPr id="5" name="Ink 4">
+                <a:extLst>
+                  <a:ext uri="{FF2B5EF4-FFF2-40B4-BE49-F238E27FC236}">
+                    <a16:creationId xmlns:a16="http://schemas.microsoft.com/office/drawing/2014/main" id="{700846C8-696A-405D-9C4E-652C1BA30C26}"/>
+                  </a:ext>
+                </a:extLst>
+              </p14:cNvPr>
+              <p14:cNvContentPartPr/>
+              <p14:nvPr/>
+            </p14:nvContentPartPr>
+            <p14:xfrm>
+              <a:off x="2215729" y="1728979"/>
+              <a:ext cx="1231920" cy="36360"/>
+            </p14:xfrm>
+          </p:contentPart>
+        </mc:Choice>
+        <mc:Fallback>
+          <p:pic>
+            <p:nvPicPr>
+              <p:cNvPr id="5" name="Ink 4">
+                <a:extLst>
+                  <a:ext uri="{FF2B5EF4-FFF2-40B4-BE49-F238E27FC236}">
+                    <a16:creationId xmlns:a16="http://schemas.microsoft.com/office/drawing/2014/main" id="{700846C8-696A-405D-9C4E-652C1BA30C26}"/>
+                  </a:ext>
+                </a:extLst>
+              </p:cNvPr>
+              <p:cNvPicPr/>
+              <p:nvPr/>
+            </p:nvPicPr>
+            <p:blipFill>
+              <a:blip r:embed="rId5"/>
+              <a:stretch>
+                <a:fillRect/>
+              </a:stretch>
+            </p:blipFill>
+            <p:spPr>
+              <a:xfrm>
+                <a:off x="2206729" y="1719979"/>
+                <a:ext cx="1249560" cy="54000"/>
+              </a:xfrm>
+              <a:prstGeom prst="rect">
+                <a:avLst/>
+              </a:prstGeom>
+            </p:spPr>
+          </p:pic>
+        </mc:Fallback>
+      </mc:AlternateContent>
+      <mc:AlternateContent xmlns:mc="http://schemas.openxmlformats.org/markup-compatibility/2006">
+        <mc:Choice xmlns:p14="http://schemas.microsoft.com/office/powerpoint/2010/main" Requires="p14">
+          <p:contentPart p14:bwMode="auto" r:id="rId6">
+            <p14:nvContentPartPr>
+              <p14:cNvPr id="6" name="Ink 5">
+                <a:extLst>
+                  <a:ext uri="{FF2B5EF4-FFF2-40B4-BE49-F238E27FC236}">
+                    <a16:creationId xmlns:a16="http://schemas.microsoft.com/office/drawing/2014/main" id="{469F8029-CA45-4F80-934E-E38A9D173511}"/>
+                  </a:ext>
+                </a:extLst>
+              </p14:cNvPr>
+              <p14:cNvContentPartPr/>
+              <p14:nvPr/>
+            </p14:nvContentPartPr>
+            <p14:xfrm>
+              <a:off x="1859329" y="2126059"/>
+              <a:ext cx="1206000" cy="55440"/>
+            </p14:xfrm>
+          </p:contentPart>
+        </mc:Choice>
+        <mc:Fallback>
+          <p:pic>
+            <p:nvPicPr>
+              <p:cNvPr id="6" name="Ink 5">
+                <a:extLst>
+                  <a:ext uri="{FF2B5EF4-FFF2-40B4-BE49-F238E27FC236}">
+                    <a16:creationId xmlns:a16="http://schemas.microsoft.com/office/drawing/2014/main" id="{469F8029-CA45-4F80-934E-E38A9D173511}"/>
+                  </a:ext>
+                </a:extLst>
+              </p:cNvPr>
+              <p:cNvPicPr/>
+              <p:nvPr/>
+            </p:nvPicPr>
+            <p:blipFill>
+              <a:blip r:embed="rId7"/>
+              <a:stretch>
+                <a:fillRect/>
+              </a:stretch>
+            </p:blipFill>
+            <p:spPr>
+              <a:xfrm>
+                <a:off x="1850329" y="2117419"/>
+                <a:ext cx="1223640" cy="73080"/>
+              </a:xfrm>
+              <a:prstGeom prst="rect">
+                <a:avLst/>
+              </a:prstGeom>
+            </p:spPr>
+          </p:pic>
+        </mc:Fallback>
+      </mc:AlternateContent>
+      <mc:AlternateContent xmlns:mc="http://schemas.openxmlformats.org/markup-compatibility/2006">
+        <mc:Choice xmlns:p14="http://schemas.microsoft.com/office/powerpoint/2010/main" Requires="p14">
+          <p:contentPart p14:bwMode="auto" r:id="rId8">
+            <p14:nvContentPartPr>
+              <p14:cNvPr id="7" name="Ink 6">
+                <a:extLst>
+                  <a:ext uri="{FF2B5EF4-FFF2-40B4-BE49-F238E27FC236}">
+                    <a16:creationId xmlns:a16="http://schemas.microsoft.com/office/drawing/2014/main" id="{B3B4E185-C2A5-43AD-AFED-3E60D8678474}"/>
+                  </a:ext>
+                </a:extLst>
+              </p14:cNvPr>
+              <p14:cNvContentPartPr/>
+              <p14:nvPr/>
+            </p14:nvContentPartPr>
+            <p14:xfrm>
+              <a:off x="2306449" y="2583619"/>
+              <a:ext cx="624240" cy="32040"/>
+            </p14:xfrm>
+          </p:contentPart>
+        </mc:Choice>
+        <mc:Fallback>
+          <p:pic>
+            <p:nvPicPr>
+              <p:cNvPr id="7" name="Ink 6">
+                <a:extLst>
+                  <a:ext uri="{FF2B5EF4-FFF2-40B4-BE49-F238E27FC236}">
+                    <a16:creationId xmlns:a16="http://schemas.microsoft.com/office/drawing/2014/main" id="{B3B4E185-C2A5-43AD-AFED-3E60D8678474}"/>
+                  </a:ext>
+                </a:extLst>
+              </p:cNvPr>
+              <p:cNvPicPr/>
+              <p:nvPr/>
+            </p:nvPicPr>
+            <p:blipFill>
+              <a:blip r:embed="rId9"/>
+              <a:stretch>
+                <a:fillRect/>
+              </a:stretch>
+            </p:blipFill>
+            <p:spPr>
+              <a:xfrm>
+                <a:off x="2297449" y="2574619"/>
+                <a:ext cx="641880" cy="49680"/>
+              </a:xfrm>
+              <a:prstGeom prst="rect">
+                <a:avLst/>
+              </a:prstGeom>
+            </p:spPr>
+          </p:pic>
+        </mc:Fallback>
+      </mc:AlternateContent>
     </p:spTree>
     <p:extLst>
       <p:ext uri="{BB962C8B-B14F-4D97-AF65-F5344CB8AC3E}">
